--- a/First review/First review.pptx
+++ b/First review/First review.pptx
@@ -179,7 +179,7 @@
           <a:noFill/>
           <a:extLst>
             <a:ext uri="{909E8E84-426E-40dd-AFC4-6F175D3DCCD1}">
-              <a14:hiddenFill xmlns:a14="http://schemas.microsoft.com/office/drawing/2010/main" xmlns="">
+              <a14:hiddenFill xmlns="" xmlns:a14="http://schemas.microsoft.com/office/drawing/2010/main">
                 <a:solidFill>
                   <a:srgbClr val="FFFFFF"/>
                 </a:solidFill>
@@ -238,7 +238,7 @@
             </a:ln>
             <a:extLst>
               <a:ext uri="{91240B29-F687-4f45-9708-019B960494DF}">
-                <a14:hiddenLine xmlns:a14="http://schemas.microsoft.com/office/drawing/2010/main" xmlns="" w="9525">
+                <a14:hiddenLine xmlns="" xmlns:a14="http://schemas.microsoft.com/office/drawing/2010/main" w="9525">
                   <a:solidFill>
                     <a:srgbClr val="000000"/>
                   </a:solidFill>
@@ -328,7 +328,7 @@
             </a:ln>
             <a:extLst>
               <a:ext uri="{91240B29-F687-4f45-9708-019B960494DF}">
-                <a14:hiddenLine xmlns:a14="http://schemas.microsoft.com/office/drawing/2010/main" xmlns="" w="9525">
+                <a14:hiddenLine xmlns="" xmlns:a14="http://schemas.microsoft.com/office/drawing/2010/main" w="9525">
                   <a:solidFill>
                     <a:srgbClr val="000000"/>
                   </a:solidFill>
@@ -418,7 +418,7 @@
             </a:ln>
             <a:extLst>
               <a:ext uri="{91240B29-F687-4f45-9708-019B960494DF}">
-                <a14:hiddenLine xmlns:a14="http://schemas.microsoft.com/office/drawing/2010/main" xmlns="" w="9525">
+                <a14:hiddenLine xmlns="" xmlns:a14="http://schemas.microsoft.com/office/drawing/2010/main" w="9525">
                   <a:solidFill>
                     <a:srgbClr val="000000"/>
                   </a:solidFill>
@@ -452,7 +452,7 @@
             </a:ln>
             <a:extLst>
               <a:ext uri="{91240B29-F687-4f45-9708-019B960494DF}">
-                <a14:hiddenLine xmlns:a14="http://schemas.microsoft.com/office/drawing/2010/main" xmlns="" w="9525">
+                <a14:hiddenLine xmlns="" xmlns:a14="http://schemas.microsoft.com/office/drawing/2010/main" w="9525">
                   <a:solidFill>
                     <a:srgbClr val="000000"/>
                   </a:solidFill>
@@ -542,7 +542,7 @@
             </a:ln>
             <a:extLst>
               <a:ext uri="{91240B29-F687-4f45-9708-019B960494DF}">
-                <a14:hiddenLine xmlns:a14="http://schemas.microsoft.com/office/drawing/2010/main" xmlns="" w="9525">
+                <a14:hiddenLine xmlns="" xmlns:a14="http://schemas.microsoft.com/office/drawing/2010/main" w="9525">
                   <a:solidFill>
                     <a:srgbClr val="000000"/>
                   </a:solidFill>
@@ -604,7 +604,7 @@
             </a:ln>
             <a:extLst>
               <a:ext uri="{91240B29-F687-4f45-9708-019B960494DF}">
-                <a14:hiddenLine xmlns:a14="http://schemas.microsoft.com/office/drawing/2010/main" xmlns="" w="9525">
+                <a14:hiddenLine xmlns="" xmlns:a14="http://schemas.microsoft.com/office/drawing/2010/main" w="9525">
                   <a:solidFill>
                     <a:srgbClr val="000000"/>
                   </a:solidFill>
@@ -666,7 +666,7 @@
             </a:ln>
             <a:extLst>
               <a:ext uri="{91240B29-F687-4f45-9708-019B960494DF}">
-                <a14:hiddenLine xmlns:a14="http://schemas.microsoft.com/office/drawing/2010/main" xmlns="" w="9525">
+                <a14:hiddenLine xmlns="" xmlns:a14="http://schemas.microsoft.com/office/drawing/2010/main" w="9525">
                   <a:solidFill>
                     <a:srgbClr val="000000"/>
                   </a:solidFill>
@@ -756,7 +756,7 @@
             </a:ln>
             <a:extLst>
               <a:ext uri="{91240B29-F687-4f45-9708-019B960494DF}">
-                <a14:hiddenLine xmlns:a14="http://schemas.microsoft.com/office/drawing/2010/main" xmlns="" w="9525">
+                <a14:hiddenLine xmlns="" xmlns:a14="http://schemas.microsoft.com/office/drawing/2010/main" w="9525">
                   <a:solidFill>
                     <a:srgbClr val="000000"/>
                   </a:solidFill>
@@ -818,7 +818,7 @@
             </a:ln>
             <a:extLst>
               <a:ext uri="{91240B29-F687-4f45-9708-019B960494DF}">
-                <a14:hiddenLine xmlns:a14="http://schemas.microsoft.com/office/drawing/2010/main" xmlns="" w="9525">
+                <a14:hiddenLine xmlns="" xmlns:a14="http://schemas.microsoft.com/office/drawing/2010/main" w="9525">
                   <a:solidFill>
                     <a:srgbClr val="000000"/>
                   </a:solidFill>
@@ -880,7 +880,7 @@
             </a:ln>
             <a:extLst>
               <a:ext uri="{91240B29-F687-4f45-9708-019B960494DF}">
-                <a14:hiddenLine xmlns:a14="http://schemas.microsoft.com/office/drawing/2010/main" xmlns="" w="9525">
+                <a14:hiddenLine xmlns="" xmlns:a14="http://schemas.microsoft.com/office/drawing/2010/main" w="9525">
                   <a:solidFill>
                     <a:srgbClr val="000000"/>
                   </a:solidFill>
@@ -970,7 +970,7 @@
             </a:ln>
             <a:extLst>
               <a:ext uri="{91240B29-F687-4f45-9708-019B960494DF}">
-                <a14:hiddenLine xmlns:a14="http://schemas.microsoft.com/office/drawing/2010/main" xmlns="" w="9525">
+                <a14:hiddenLine xmlns="" xmlns:a14="http://schemas.microsoft.com/office/drawing/2010/main" w="9525">
                   <a:solidFill>
                     <a:srgbClr val="000000"/>
                   </a:solidFill>
@@ -1060,7 +1060,7 @@
             </a:ln>
             <a:extLst>
               <a:ext uri="{91240B29-F687-4f45-9708-019B960494DF}">
-                <a14:hiddenLine xmlns:a14="http://schemas.microsoft.com/office/drawing/2010/main" xmlns="" w="9525">
+                <a14:hiddenLine xmlns="" xmlns:a14="http://schemas.microsoft.com/office/drawing/2010/main" w="9525">
                   <a:solidFill>
                     <a:srgbClr val="000000"/>
                   </a:solidFill>
@@ -1122,7 +1122,7 @@
             </a:ln>
             <a:extLst>
               <a:ext uri="{91240B29-F687-4f45-9708-019B960494DF}">
-                <a14:hiddenLine xmlns:a14="http://schemas.microsoft.com/office/drawing/2010/main" xmlns="" w="9525">
+                <a14:hiddenLine xmlns="" xmlns:a14="http://schemas.microsoft.com/office/drawing/2010/main" w="9525">
                   <a:solidFill>
                     <a:srgbClr val="000000"/>
                   </a:solidFill>
@@ -1232,7 +1232,7 @@
             </a:ln>
             <a:extLst>
               <a:ext uri="{91240B29-F687-4f45-9708-019B960494DF}">
-                <a14:hiddenLine xmlns:a14="http://schemas.microsoft.com/office/drawing/2010/main" xmlns="" w="9525">
+                <a14:hiddenLine xmlns="" xmlns:a14="http://schemas.microsoft.com/office/drawing/2010/main" w="9525">
                   <a:solidFill>
                     <a:srgbClr val="000000"/>
                   </a:solidFill>
@@ -1294,7 +1294,7 @@
             </a:ln>
             <a:extLst>
               <a:ext uri="{91240B29-F687-4f45-9708-019B960494DF}">
-                <a14:hiddenLine xmlns:a14="http://schemas.microsoft.com/office/drawing/2010/main" xmlns="" w="9525">
+                <a14:hiddenLine xmlns="" xmlns:a14="http://schemas.microsoft.com/office/drawing/2010/main" w="9525">
                   <a:solidFill>
                     <a:srgbClr val="000000"/>
                   </a:solidFill>
@@ -1384,7 +1384,7 @@
             </a:ln>
             <a:extLst>
               <a:ext uri="{91240B29-F687-4f45-9708-019B960494DF}">
-                <a14:hiddenLine xmlns:a14="http://schemas.microsoft.com/office/drawing/2010/main" xmlns="" w="9525">
+                <a14:hiddenLine xmlns="" xmlns:a14="http://schemas.microsoft.com/office/drawing/2010/main" w="9525">
                   <a:solidFill>
                     <a:srgbClr val="000000"/>
                   </a:solidFill>
@@ -1474,7 +1474,7 @@
             </a:ln>
             <a:extLst>
               <a:ext uri="{91240B29-F687-4f45-9708-019B960494DF}">
-                <a14:hiddenLine xmlns:a14="http://schemas.microsoft.com/office/drawing/2010/main" xmlns="" w="9525">
+                <a14:hiddenLine xmlns="" xmlns:a14="http://schemas.microsoft.com/office/drawing/2010/main" w="9525">
                   <a:solidFill>
                     <a:srgbClr val="000000"/>
                   </a:solidFill>
@@ -1536,7 +1536,7 @@
             </a:ln>
             <a:extLst>
               <a:ext uri="{91240B29-F687-4f45-9708-019B960494DF}">
-                <a14:hiddenLine xmlns:a14="http://schemas.microsoft.com/office/drawing/2010/main" xmlns="" w="9525">
+                <a14:hiddenLine xmlns="" xmlns:a14="http://schemas.microsoft.com/office/drawing/2010/main" w="9525">
                   <a:solidFill>
                     <a:srgbClr val="000000"/>
                   </a:solidFill>
@@ -1626,7 +1626,7 @@
             </a:ln>
             <a:extLst>
               <a:ext uri="{91240B29-F687-4f45-9708-019B960494DF}">
-                <a14:hiddenLine xmlns:a14="http://schemas.microsoft.com/office/drawing/2010/main" xmlns="" w="9525">
+                <a14:hiddenLine xmlns="" xmlns:a14="http://schemas.microsoft.com/office/drawing/2010/main" w="9525">
                   <a:solidFill>
                     <a:srgbClr val="000000"/>
                   </a:solidFill>
@@ -1716,7 +1716,7 @@
             </a:ln>
             <a:extLst>
               <a:ext uri="{91240B29-F687-4f45-9708-019B960494DF}">
-                <a14:hiddenLine xmlns:a14="http://schemas.microsoft.com/office/drawing/2010/main" xmlns="" w="9525">
+                <a14:hiddenLine xmlns="" xmlns:a14="http://schemas.microsoft.com/office/drawing/2010/main" w="9525">
                   <a:solidFill>
                     <a:srgbClr val="000000"/>
                   </a:solidFill>
@@ -1772,7 +1772,7 @@
             </a:ln>
             <a:extLst>
               <a:ext uri="{91240B29-F687-4f45-9708-019B960494DF}">
-                <a14:hiddenLine xmlns:a14="http://schemas.microsoft.com/office/drawing/2010/main" xmlns="" w="9525">
+                <a14:hiddenLine xmlns="" xmlns:a14="http://schemas.microsoft.com/office/drawing/2010/main" w="9525">
                   <a:solidFill>
                     <a:srgbClr val="000000"/>
                   </a:solidFill>
@@ -1862,7 +1862,7 @@
             </a:ln>
             <a:extLst>
               <a:ext uri="{91240B29-F687-4f45-9708-019B960494DF}">
-                <a14:hiddenLine xmlns:a14="http://schemas.microsoft.com/office/drawing/2010/main" xmlns="" w="9525">
+                <a14:hiddenLine xmlns="" xmlns:a14="http://schemas.microsoft.com/office/drawing/2010/main" w="9525">
                   <a:solidFill>
                     <a:srgbClr val="000000"/>
                   </a:solidFill>
@@ -1918,7 +1918,7 @@
             </a:ln>
             <a:extLst>
               <a:ext uri="{91240B29-F687-4f45-9708-019B960494DF}">
-                <a14:hiddenLine xmlns:a14="http://schemas.microsoft.com/office/drawing/2010/main" xmlns="" w="9525">
+                <a14:hiddenLine xmlns="" xmlns:a14="http://schemas.microsoft.com/office/drawing/2010/main" w="9525">
                   <a:solidFill>
                     <a:srgbClr val="000000"/>
                   </a:solidFill>
@@ -2008,7 +2008,7 @@
             </a:ln>
             <a:extLst>
               <a:ext uri="{91240B29-F687-4f45-9708-019B960494DF}">
-                <a14:hiddenLine xmlns:a14="http://schemas.microsoft.com/office/drawing/2010/main" xmlns="" w="9525">
+                <a14:hiddenLine xmlns="" xmlns:a14="http://schemas.microsoft.com/office/drawing/2010/main" w="9525">
                   <a:solidFill>
                     <a:srgbClr val="000000"/>
                   </a:solidFill>
@@ -2076,7 +2076,7 @@
             </a:ln>
             <a:extLst>
               <a:ext uri="{91240B29-F687-4f45-9708-019B960494DF}">
-                <a14:hiddenLine xmlns:a14="http://schemas.microsoft.com/office/drawing/2010/main" xmlns="" w="9525">
+                <a14:hiddenLine xmlns="" xmlns:a14="http://schemas.microsoft.com/office/drawing/2010/main" w="9525">
                   <a:solidFill>
                     <a:srgbClr val="000000"/>
                   </a:solidFill>
@@ -2166,7 +2166,7 @@
             </a:ln>
             <a:extLst>
               <a:ext uri="{91240B29-F687-4f45-9708-019B960494DF}">
-                <a14:hiddenLine xmlns:a14="http://schemas.microsoft.com/office/drawing/2010/main" xmlns="" w="9525">
+                <a14:hiddenLine xmlns="" xmlns:a14="http://schemas.microsoft.com/office/drawing/2010/main" w="9525">
                   <a:solidFill>
                     <a:srgbClr val="000000"/>
                   </a:solidFill>
@@ -2234,7 +2234,7 @@
             </a:ln>
             <a:extLst>
               <a:ext uri="{91240B29-F687-4f45-9708-019B960494DF}">
-                <a14:hiddenLine xmlns:a14="http://schemas.microsoft.com/office/drawing/2010/main" xmlns="" w="9525">
+                <a14:hiddenLine xmlns="" xmlns:a14="http://schemas.microsoft.com/office/drawing/2010/main" w="9525">
                   <a:solidFill>
                     <a:srgbClr val="000000"/>
                   </a:solidFill>
@@ -2324,7 +2324,7 @@
             </a:ln>
             <a:extLst>
               <a:ext uri="{91240B29-F687-4f45-9708-019B960494DF}">
-                <a14:hiddenLine xmlns:a14="http://schemas.microsoft.com/office/drawing/2010/main" xmlns="" w="9525">
+                <a14:hiddenLine xmlns="" xmlns:a14="http://schemas.microsoft.com/office/drawing/2010/main" w="9525">
                   <a:solidFill>
                     <a:srgbClr val="000000"/>
                   </a:solidFill>
@@ -2358,7 +2358,7 @@
             </a:ln>
             <a:extLst>
               <a:ext uri="{91240B29-F687-4f45-9708-019B960494DF}">
-                <a14:hiddenLine xmlns:a14="http://schemas.microsoft.com/office/drawing/2010/main" xmlns="" w="9525">
+                <a14:hiddenLine xmlns="" xmlns:a14="http://schemas.microsoft.com/office/drawing/2010/main" w="9525">
                   <a:solidFill>
                     <a:srgbClr val="000000"/>
                   </a:solidFill>
@@ -2448,7 +2448,7 @@
             </a:ln>
             <a:extLst>
               <a:ext uri="{91240B29-F687-4f45-9708-019B960494DF}">
-                <a14:hiddenLine xmlns:a14="http://schemas.microsoft.com/office/drawing/2010/main" xmlns="" w="9525">
+                <a14:hiddenLine xmlns="" xmlns:a14="http://schemas.microsoft.com/office/drawing/2010/main" w="9525">
                   <a:solidFill>
                     <a:srgbClr val="000000"/>
                   </a:solidFill>
@@ -2510,7 +2510,7 @@
             </a:ln>
             <a:extLst>
               <a:ext uri="{91240B29-F687-4f45-9708-019B960494DF}">
-                <a14:hiddenLine xmlns:a14="http://schemas.microsoft.com/office/drawing/2010/main" xmlns="" w="9525">
+                <a14:hiddenLine xmlns="" xmlns:a14="http://schemas.microsoft.com/office/drawing/2010/main" w="9525">
                   <a:solidFill>
                     <a:srgbClr val="000000"/>
                   </a:solidFill>
@@ -2572,7 +2572,7 @@
             </a:ln>
             <a:extLst>
               <a:ext uri="{91240B29-F687-4f45-9708-019B960494DF}">
-                <a14:hiddenLine xmlns:a14="http://schemas.microsoft.com/office/drawing/2010/main" xmlns="" w="9525">
+                <a14:hiddenLine xmlns="" xmlns:a14="http://schemas.microsoft.com/office/drawing/2010/main" w="9525">
                   <a:solidFill>
                     <a:srgbClr val="000000"/>
                   </a:solidFill>
@@ -2662,7 +2662,7 @@
             </a:ln>
             <a:extLst>
               <a:ext uri="{91240B29-F687-4f45-9708-019B960494DF}">
-                <a14:hiddenLine xmlns:a14="http://schemas.microsoft.com/office/drawing/2010/main" xmlns="" w="9525">
+                <a14:hiddenLine xmlns="" xmlns:a14="http://schemas.microsoft.com/office/drawing/2010/main" w="9525">
                   <a:solidFill>
                     <a:srgbClr val="000000"/>
                   </a:solidFill>
@@ -2730,7 +2730,7 @@
             </a:ln>
             <a:extLst>
               <a:ext uri="{91240B29-F687-4f45-9708-019B960494DF}">
-                <a14:hiddenLine xmlns:a14="http://schemas.microsoft.com/office/drawing/2010/main" xmlns="" w="9525">
+                <a14:hiddenLine xmlns="" xmlns:a14="http://schemas.microsoft.com/office/drawing/2010/main" w="9525">
                   <a:solidFill>
                     <a:srgbClr val="000000"/>
                   </a:solidFill>
@@ -2792,7 +2792,7 @@
             </a:ln>
             <a:extLst>
               <a:ext uri="{91240B29-F687-4f45-9708-019B960494DF}">
-                <a14:hiddenLine xmlns:a14="http://schemas.microsoft.com/office/drawing/2010/main" xmlns="" w="9525">
+                <a14:hiddenLine xmlns="" xmlns:a14="http://schemas.microsoft.com/office/drawing/2010/main" w="9525">
                   <a:solidFill>
                     <a:srgbClr val="000000"/>
                   </a:solidFill>
@@ -2882,7 +2882,7 @@
             </a:ln>
             <a:extLst>
               <a:ext uri="{91240B29-F687-4f45-9708-019B960494DF}">
-                <a14:hiddenLine xmlns:a14="http://schemas.microsoft.com/office/drawing/2010/main" xmlns="" w="9525">
+                <a14:hiddenLine xmlns="" xmlns:a14="http://schemas.microsoft.com/office/drawing/2010/main" w="9525">
                   <a:solidFill>
                     <a:srgbClr val="000000"/>
                   </a:solidFill>
@@ -2944,7 +2944,7 @@
             </a:ln>
             <a:extLst>
               <a:ext uri="{91240B29-F687-4f45-9708-019B960494DF}">
-                <a14:hiddenLine xmlns:a14="http://schemas.microsoft.com/office/drawing/2010/main" xmlns="" w="9525">
+                <a14:hiddenLine xmlns="" xmlns:a14="http://schemas.microsoft.com/office/drawing/2010/main" w="9525">
                   <a:solidFill>
                     <a:srgbClr val="000000"/>
                   </a:solidFill>
@@ -3034,7 +3034,7 @@
             </a:ln>
             <a:extLst>
               <a:ext uri="{91240B29-F687-4f45-9708-019B960494DF}">
-                <a14:hiddenLine xmlns:a14="http://schemas.microsoft.com/office/drawing/2010/main" xmlns="" w="9525">
+                <a14:hiddenLine xmlns="" xmlns:a14="http://schemas.microsoft.com/office/drawing/2010/main" w="9525">
                   <a:solidFill>
                     <a:srgbClr val="000000"/>
                   </a:solidFill>
@@ -3096,7 +3096,7 @@
             </a:ln>
             <a:extLst>
               <a:ext uri="{91240B29-F687-4f45-9708-019B960494DF}">
-                <a14:hiddenLine xmlns:a14="http://schemas.microsoft.com/office/drawing/2010/main" xmlns="" w="9525">
+                <a14:hiddenLine xmlns="" xmlns:a14="http://schemas.microsoft.com/office/drawing/2010/main" w="9525">
                   <a:solidFill>
                     <a:srgbClr val="000000"/>
                   </a:solidFill>
@@ -3186,7 +3186,7 @@
             </a:ln>
             <a:extLst>
               <a:ext uri="{91240B29-F687-4f45-9708-019B960494DF}">
-                <a14:hiddenLine xmlns:a14="http://schemas.microsoft.com/office/drawing/2010/main" xmlns="" w="9525">
+                <a14:hiddenLine xmlns="" xmlns:a14="http://schemas.microsoft.com/office/drawing/2010/main" w="9525">
                   <a:solidFill>
                     <a:srgbClr val="000000"/>
                   </a:solidFill>
@@ -3220,7 +3220,7 @@
             </a:ln>
             <a:extLst>
               <a:ext uri="{91240B29-F687-4f45-9708-019B960494DF}">
-                <a14:hiddenLine xmlns:a14="http://schemas.microsoft.com/office/drawing/2010/main" xmlns="" w="9525">
+                <a14:hiddenLine xmlns="" xmlns:a14="http://schemas.microsoft.com/office/drawing/2010/main" w="9525">
                   <a:solidFill>
                     <a:srgbClr val="000000"/>
                   </a:solidFill>
@@ -3285,7 +3285,7 @@
             </a:ln>
             <a:extLst>
               <a:ext uri="{91240B29-F687-4f45-9708-019B960494DF}">
-                <a14:hiddenLine xmlns:a14="http://schemas.microsoft.com/office/drawing/2010/main" xmlns="" w="9525">
+                <a14:hiddenLine xmlns="" xmlns:a14="http://schemas.microsoft.com/office/drawing/2010/main" w="9525">
                   <a:solidFill>
                     <a:srgbClr val="000000"/>
                   </a:solidFill>
@@ -3375,7 +3375,7 @@
             </a:ln>
             <a:extLst>
               <a:ext uri="{91240B29-F687-4f45-9708-019B960494DF}">
-                <a14:hiddenLine xmlns:a14="http://schemas.microsoft.com/office/drawing/2010/main" xmlns="" w="9525">
+                <a14:hiddenLine xmlns="" xmlns:a14="http://schemas.microsoft.com/office/drawing/2010/main" w="9525">
                   <a:solidFill>
                     <a:srgbClr val="000000"/>
                   </a:solidFill>
@@ -3437,7 +3437,7 @@
             </a:ln>
             <a:extLst>
               <a:ext uri="{91240B29-F687-4f45-9708-019B960494DF}">
-                <a14:hiddenLine xmlns:a14="http://schemas.microsoft.com/office/drawing/2010/main" xmlns="" w="9525">
+                <a14:hiddenLine xmlns="" xmlns:a14="http://schemas.microsoft.com/office/drawing/2010/main" w="9525">
                   <a:solidFill>
                     <a:srgbClr val="000000"/>
                   </a:solidFill>
@@ -3527,7 +3527,7 @@
             </a:ln>
             <a:extLst>
               <a:ext uri="{91240B29-F687-4f45-9708-019B960494DF}">
-                <a14:hiddenLine xmlns:a14="http://schemas.microsoft.com/office/drawing/2010/main" xmlns="" w="9525">
+                <a14:hiddenLine xmlns="" xmlns:a14="http://schemas.microsoft.com/office/drawing/2010/main" w="9525">
                   <a:solidFill>
                     <a:srgbClr val="000000"/>
                   </a:solidFill>
@@ -3617,7 +3617,7 @@
             </a:ln>
             <a:extLst>
               <a:ext uri="{91240B29-F687-4f45-9708-019B960494DF}">
-                <a14:hiddenLine xmlns:a14="http://schemas.microsoft.com/office/drawing/2010/main" xmlns="" w="9525">
+                <a14:hiddenLine xmlns="" xmlns:a14="http://schemas.microsoft.com/office/drawing/2010/main" w="9525">
                   <a:solidFill>
                     <a:srgbClr val="000000"/>
                   </a:solidFill>
@@ -3682,7 +3682,7 @@
             </a:ln>
             <a:extLst>
               <a:ext uri="{91240B29-F687-4f45-9708-019B960494DF}">
-                <a14:hiddenLine xmlns:a14="http://schemas.microsoft.com/office/drawing/2010/main" xmlns="" w="9525">
+                <a14:hiddenLine xmlns="" xmlns:a14="http://schemas.microsoft.com/office/drawing/2010/main" w="9525">
                   <a:solidFill>
                     <a:srgbClr val="000000"/>
                   </a:solidFill>
@@ -3744,7 +3744,7 @@
             </a:ln>
             <a:extLst>
               <a:ext uri="{91240B29-F687-4f45-9708-019B960494DF}">
-                <a14:hiddenLine xmlns:a14="http://schemas.microsoft.com/office/drawing/2010/main" xmlns="" w="9525">
+                <a14:hiddenLine xmlns="" xmlns:a14="http://schemas.microsoft.com/office/drawing/2010/main" w="9525">
                   <a:solidFill>
                     <a:srgbClr val="000000"/>
                   </a:solidFill>
@@ -3834,7 +3834,7 @@
             </a:ln>
             <a:extLst>
               <a:ext uri="{91240B29-F687-4f45-9708-019B960494DF}">
-                <a14:hiddenLine xmlns:a14="http://schemas.microsoft.com/office/drawing/2010/main" xmlns="" w="9525">
+                <a14:hiddenLine xmlns="" xmlns:a14="http://schemas.microsoft.com/office/drawing/2010/main" w="9525">
                   <a:solidFill>
                     <a:srgbClr val="000000"/>
                   </a:solidFill>
@@ -3924,7 +3924,7 @@
             </a:ln>
             <a:extLst>
               <a:ext uri="{91240B29-F687-4f45-9708-019B960494DF}">
-                <a14:hiddenLine xmlns:a14="http://schemas.microsoft.com/office/drawing/2010/main" xmlns="" w="9525">
+                <a14:hiddenLine xmlns="" xmlns:a14="http://schemas.microsoft.com/office/drawing/2010/main" w="9525">
                   <a:solidFill>
                     <a:srgbClr val="000000"/>
                   </a:solidFill>
@@ -3986,7 +3986,7 @@
             </a:ln>
             <a:extLst>
               <a:ext uri="{91240B29-F687-4f45-9708-019B960494DF}">
-                <a14:hiddenLine xmlns:a14="http://schemas.microsoft.com/office/drawing/2010/main" xmlns="" w="9525">
+                <a14:hiddenLine xmlns="" xmlns:a14="http://schemas.microsoft.com/office/drawing/2010/main" w="9525">
                   <a:solidFill>
                     <a:srgbClr val="000000"/>
                   </a:solidFill>
@@ -4106,7 +4106,7 @@
             </a:ln>
             <a:extLst>
               <a:ext uri="{91240B29-F687-4f45-9708-019B960494DF}">
-                <a14:hiddenLine xmlns:a14="http://schemas.microsoft.com/office/drawing/2010/main" xmlns="" w="9525">
+                <a14:hiddenLine xmlns="" xmlns:a14="http://schemas.microsoft.com/office/drawing/2010/main" w="9525">
                   <a:solidFill>
                     <a:srgbClr val="000000"/>
                   </a:solidFill>
@@ -4174,7 +4174,7 @@
             </a:ln>
             <a:extLst>
               <a:ext uri="{91240B29-F687-4f45-9708-019B960494DF}">
-                <a14:hiddenLine xmlns:a14="http://schemas.microsoft.com/office/drawing/2010/main" xmlns="" w="9525">
+                <a14:hiddenLine xmlns="" xmlns:a14="http://schemas.microsoft.com/office/drawing/2010/main" w="9525">
                   <a:solidFill>
                     <a:srgbClr val="000000"/>
                   </a:solidFill>
@@ -4264,7 +4264,7 @@
             </a:ln>
             <a:extLst>
               <a:ext uri="{91240B29-F687-4f45-9708-019B960494DF}">
-                <a14:hiddenLine xmlns:a14="http://schemas.microsoft.com/office/drawing/2010/main" xmlns="" w="9525">
+                <a14:hiddenLine xmlns="" xmlns:a14="http://schemas.microsoft.com/office/drawing/2010/main" w="9525">
                   <a:solidFill>
                     <a:srgbClr val="000000"/>
                   </a:solidFill>
@@ -4404,7 +4404,7 @@
           <a:p>
             <a:fld id="{48A87A34-81AB-432B-8DAE-1953F412C126}" type="datetimeFigureOut">
               <a:rPr lang="en-US" dirty="0"/>
-              <a:t>26/2/2016</a:t>
+              <a:t>25/2/2016</a:t>
             </a:fld>
             <a:endParaRPr lang="en-US" dirty="0"/>
           </a:p>
@@ -4666,7 +4666,7 @@
           <a:p>
             <a:fld id="{48A87A34-81AB-432B-8DAE-1953F412C126}" type="datetimeFigureOut">
               <a:rPr lang="en-US" dirty="0"/>
-              <a:t>26/2/2016</a:t>
+              <a:t>25/2/2016</a:t>
             </a:fld>
             <a:endParaRPr lang="en-US" dirty="0"/>
           </a:p>
@@ -4857,7 +4857,7 @@
           <a:p>
             <a:fld id="{48A87A34-81AB-432B-8DAE-1953F412C126}" type="datetimeFigureOut">
               <a:rPr lang="en-US" dirty="0"/>
-              <a:t>26/2/2016</a:t>
+              <a:t>25/2/2016</a:t>
             </a:fld>
             <a:endParaRPr lang="en-US" dirty="0"/>
           </a:p>
@@ -5115,7 +5115,7 @@
           <a:p>
             <a:fld id="{48A87A34-81AB-432B-8DAE-1953F412C126}" type="datetimeFigureOut">
               <a:rPr lang="en-US" dirty="0"/>
-              <a:t>26/2/2016</a:t>
+              <a:t>25/2/2016</a:t>
             </a:fld>
             <a:endParaRPr lang="en-US" dirty="0"/>
           </a:p>
@@ -5544,7 +5544,7 @@
           <a:p>
             <a:fld id="{48A87A34-81AB-432B-8DAE-1953F412C126}" type="datetimeFigureOut">
               <a:rPr lang="en-US" dirty="0"/>
-              <a:t>26/2/2016</a:t>
+              <a:t>25/2/2016</a:t>
             </a:fld>
             <a:endParaRPr lang="en-US" dirty="0"/>
           </a:p>
@@ -6085,7 +6085,7 @@
           <a:p>
             <a:fld id="{48A87A34-81AB-432B-8DAE-1953F412C126}" type="datetimeFigureOut">
               <a:rPr lang="en-US" dirty="0"/>
-              <a:t>26/2/2016</a:t>
+              <a:t>25/2/2016</a:t>
             </a:fld>
             <a:endParaRPr lang="en-US" dirty="0"/>
           </a:p>
@@ -6800,7 +6800,7 @@
           <a:p>
             <a:fld id="{48A87A34-81AB-432B-8DAE-1953F412C126}" type="datetimeFigureOut">
               <a:rPr lang="en-US" dirty="0"/>
-              <a:t>26/2/2016</a:t>
+              <a:t>25/2/2016</a:t>
             </a:fld>
             <a:endParaRPr lang="en-US" dirty="0"/>
           </a:p>
@@ -6965,7 +6965,7 @@
           <a:p>
             <a:fld id="{48A87A34-81AB-432B-8DAE-1953F412C126}" type="datetimeFigureOut">
               <a:rPr lang="en-US" dirty="0"/>
-              <a:t>26/2/2016</a:t>
+              <a:t>25/2/2016</a:t>
             </a:fld>
             <a:endParaRPr lang="en-US" dirty="0"/>
           </a:p>
@@ -7140,7 +7140,7 @@
           <a:p>
             <a:fld id="{48A87A34-81AB-432B-8DAE-1953F412C126}" type="datetimeFigureOut">
               <a:rPr lang="en-US" dirty="0"/>
-              <a:t>26/2/2016</a:t>
+              <a:t>25/2/2016</a:t>
             </a:fld>
             <a:endParaRPr lang="en-US" dirty="0"/>
           </a:p>
@@ -7305,7 +7305,7 @@
           <a:p>
             <a:fld id="{48A87A34-81AB-432B-8DAE-1953F412C126}" type="datetimeFigureOut">
               <a:rPr lang="en-US" dirty="0"/>
-              <a:t>26/2/2016</a:t>
+              <a:t>25/2/2016</a:t>
             </a:fld>
             <a:endParaRPr lang="en-US" dirty="0"/>
           </a:p>
@@ -7550,7 +7550,7 @@
           <a:p>
             <a:fld id="{48A87A34-81AB-432B-8DAE-1953F412C126}" type="datetimeFigureOut">
               <a:rPr lang="en-US" dirty="0"/>
-              <a:t>26/2/2016</a:t>
+              <a:t>25/2/2016</a:t>
             </a:fld>
             <a:endParaRPr lang="en-US" dirty="0"/>
           </a:p>
@@ -7777,7 +7777,7 @@
           <a:p>
             <a:fld id="{48A87A34-81AB-432B-8DAE-1953F412C126}" type="datetimeFigureOut">
               <a:rPr lang="en-US" dirty="0"/>
-              <a:t>26/2/2016</a:t>
+              <a:t>25/2/2016</a:t>
             </a:fld>
             <a:endParaRPr lang="en-US" dirty="0"/>
           </a:p>
@@ -8153,7 +8153,7 @@
           <a:p>
             <a:fld id="{48A87A34-81AB-432B-8DAE-1953F412C126}" type="datetimeFigureOut">
               <a:rPr lang="en-US" dirty="0"/>
-              <a:t>26/2/2016</a:t>
+              <a:t>25/2/2016</a:t>
             </a:fld>
             <a:endParaRPr lang="en-US" dirty="0"/>
           </a:p>
@@ -8266,7 +8266,7 @@
           <a:p>
             <a:fld id="{48A87A34-81AB-432B-8DAE-1953F412C126}" type="datetimeFigureOut">
               <a:rPr lang="en-US" dirty="0"/>
-              <a:t>26/2/2016</a:t>
+              <a:t>25/2/2016</a:t>
             </a:fld>
             <a:endParaRPr lang="en-US" dirty="0"/>
           </a:p>
@@ -8356,7 +8356,7 @@
           <a:p>
             <a:fld id="{48A87A34-81AB-432B-8DAE-1953F412C126}" type="datetimeFigureOut">
               <a:rPr lang="en-US" dirty="0"/>
-              <a:t>26/2/2016</a:t>
+              <a:t>25/2/2016</a:t>
             </a:fld>
             <a:endParaRPr lang="en-US" dirty="0"/>
           </a:p>
@@ -8600,7 +8600,7 @@
           <a:p>
             <a:fld id="{48A87A34-81AB-432B-8DAE-1953F412C126}" type="datetimeFigureOut">
               <a:rPr lang="en-US" dirty="0"/>
-              <a:t>26/2/2016</a:t>
+              <a:t>25/2/2016</a:t>
             </a:fld>
             <a:endParaRPr lang="en-US" dirty="0"/>
           </a:p>
@@ -8875,7 +8875,7 @@
           <a:p>
             <a:fld id="{48A87A34-81AB-432B-8DAE-1953F412C126}" type="datetimeFigureOut">
               <a:rPr lang="en-US" dirty="0"/>
-              <a:t>26/2/2016</a:t>
+              <a:t>25/2/2016</a:t>
             </a:fld>
             <a:endParaRPr lang="en-US" dirty="0"/>
           </a:p>
@@ -8993,7 +8993,7 @@
           <a:noFill/>
           <a:extLst>
             <a:ext uri="{909E8E84-426E-40dd-AFC4-6F175D3DCCD1}">
-              <a14:hiddenFill xmlns:a14="http://schemas.microsoft.com/office/drawing/2010/main" xmlns="">
+              <a14:hiddenFill xmlns="" xmlns:a14="http://schemas.microsoft.com/office/drawing/2010/main">
                 <a:solidFill>
                   <a:srgbClr val="FFFFFF"/>
                 </a:solidFill>
@@ -9067,7 +9067,7 @@
               </a:ln>
               <a:extLst>
                 <a:ext uri="{91240B29-F687-4f45-9708-019B960494DF}">
-                  <a14:hiddenLine xmlns:a14="http://schemas.microsoft.com/office/drawing/2010/main" xmlns="" w="9525">
+                  <a14:hiddenLine xmlns="" xmlns:a14="http://schemas.microsoft.com/office/drawing/2010/main" w="9525">
                     <a:solidFill>
                       <a:srgbClr val="000000"/>
                     </a:solidFill>
@@ -9157,7 +9157,7 @@
               </a:ln>
               <a:extLst>
                 <a:ext uri="{91240B29-F687-4f45-9708-019B960494DF}">
-                  <a14:hiddenLine xmlns:a14="http://schemas.microsoft.com/office/drawing/2010/main" xmlns="" w="9525">
+                  <a14:hiddenLine xmlns="" xmlns:a14="http://schemas.microsoft.com/office/drawing/2010/main" w="9525">
                     <a:solidFill>
                       <a:srgbClr val="000000"/>
                     </a:solidFill>
@@ -9247,7 +9247,7 @@
               </a:ln>
               <a:extLst>
                 <a:ext uri="{91240B29-F687-4f45-9708-019B960494DF}">
-                  <a14:hiddenLine xmlns:a14="http://schemas.microsoft.com/office/drawing/2010/main" xmlns="" w="9525">
+                  <a14:hiddenLine xmlns="" xmlns:a14="http://schemas.microsoft.com/office/drawing/2010/main" w="9525">
                     <a:solidFill>
                       <a:srgbClr val="000000"/>
                     </a:solidFill>
@@ -9309,7 +9309,7 @@
               </a:ln>
               <a:extLst>
                 <a:ext uri="{91240B29-F687-4f45-9708-019B960494DF}">
-                  <a14:hiddenLine xmlns:a14="http://schemas.microsoft.com/office/drawing/2010/main" xmlns="" w="9525">
+                  <a14:hiddenLine xmlns="" xmlns:a14="http://schemas.microsoft.com/office/drawing/2010/main" w="9525">
                     <a:solidFill>
                       <a:srgbClr val="000000"/>
                     </a:solidFill>
@@ -9399,7 +9399,7 @@
               </a:ln>
               <a:extLst>
                 <a:ext uri="{91240B29-F687-4f45-9708-019B960494DF}">
-                  <a14:hiddenLine xmlns:a14="http://schemas.microsoft.com/office/drawing/2010/main" xmlns="" w="9525">
+                  <a14:hiddenLine xmlns="" xmlns:a14="http://schemas.microsoft.com/office/drawing/2010/main" w="9525">
                     <a:solidFill>
                       <a:srgbClr val="000000"/>
                     </a:solidFill>
@@ -9461,7 +9461,7 @@
               </a:ln>
               <a:extLst>
                 <a:ext uri="{91240B29-F687-4f45-9708-019B960494DF}">
-                  <a14:hiddenLine xmlns:a14="http://schemas.microsoft.com/office/drawing/2010/main" xmlns="" w="9525">
+                  <a14:hiddenLine xmlns="" xmlns:a14="http://schemas.microsoft.com/office/drawing/2010/main" w="9525">
                     <a:solidFill>
                       <a:srgbClr val="000000"/>
                     </a:solidFill>
@@ -9523,7 +9523,7 @@
               </a:ln>
               <a:extLst>
                 <a:ext uri="{91240B29-F687-4f45-9708-019B960494DF}">
-                  <a14:hiddenLine xmlns:a14="http://schemas.microsoft.com/office/drawing/2010/main" xmlns="" w="9525">
+                  <a14:hiddenLine xmlns="" xmlns:a14="http://schemas.microsoft.com/office/drawing/2010/main" w="9525">
                     <a:solidFill>
                       <a:srgbClr val="000000"/>
                     </a:solidFill>
@@ -9613,7 +9613,7 @@
               </a:ln>
               <a:extLst>
                 <a:ext uri="{91240B29-F687-4f45-9708-019B960494DF}">
-                  <a14:hiddenLine xmlns:a14="http://schemas.microsoft.com/office/drawing/2010/main" xmlns="" w="9525">
+                  <a14:hiddenLine xmlns="" xmlns:a14="http://schemas.microsoft.com/office/drawing/2010/main" w="9525">
                     <a:solidFill>
                       <a:srgbClr val="000000"/>
                     </a:solidFill>
@@ -9703,7 +9703,7 @@
               </a:ln>
               <a:extLst>
                 <a:ext uri="{91240B29-F687-4f45-9708-019B960494DF}">
-                  <a14:hiddenLine xmlns:a14="http://schemas.microsoft.com/office/drawing/2010/main" xmlns="" w="9525">
+                  <a14:hiddenLine xmlns="" xmlns:a14="http://schemas.microsoft.com/office/drawing/2010/main" w="9525">
                     <a:solidFill>
                       <a:srgbClr val="000000"/>
                     </a:solidFill>
@@ -9765,7 +9765,7 @@
               </a:ln>
               <a:extLst>
                 <a:ext uri="{91240B29-F687-4f45-9708-019B960494DF}">
-                  <a14:hiddenLine xmlns:a14="http://schemas.microsoft.com/office/drawing/2010/main" xmlns="" w="9525">
+                  <a14:hiddenLine xmlns="" xmlns:a14="http://schemas.microsoft.com/office/drawing/2010/main" w="9525">
                     <a:solidFill>
                       <a:srgbClr val="000000"/>
                     </a:solidFill>
@@ -9875,7 +9875,7 @@
               </a:ln>
               <a:extLst>
                 <a:ext uri="{91240B29-F687-4f45-9708-019B960494DF}">
-                  <a14:hiddenLine xmlns:a14="http://schemas.microsoft.com/office/drawing/2010/main" xmlns="" w="9525">
+                  <a14:hiddenLine xmlns="" xmlns:a14="http://schemas.microsoft.com/office/drawing/2010/main" w="9525">
                     <a:solidFill>
                       <a:srgbClr val="000000"/>
                     </a:solidFill>
@@ -9959,7 +9959,7 @@
               </a:ln>
               <a:extLst>
                 <a:ext uri="{91240B29-F687-4f45-9708-019B960494DF}">
-                  <a14:hiddenLine xmlns:a14="http://schemas.microsoft.com/office/drawing/2010/main" xmlns="" w="9525">
+                  <a14:hiddenLine xmlns="" xmlns:a14="http://schemas.microsoft.com/office/drawing/2010/main" w="9525">
                     <a:solidFill>
                       <a:srgbClr val="000000"/>
                     </a:solidFill>
@@ -10021,7 +10021,7 @@
               </a:ln>
               <a:extLst>
                 <a:ext uri="{91240B29-F687-4f45-9708-019B960494DF}">
-                  <a14:hiddenLine xmlns:a14="http://schemas.microsoft.com/office/drawing/2010/main" xmlns="" w="9525">
+                  <a14:hiddenLine xmlns="" xmlns:a14="http://schemas.microsoft.com/office/drawing/2010/main" w="9525">
                     <a:solidFill>
                       <a:srgbClr val="000000"/>
                     </a:solidFill>
@@ -10083,7 +10083,7 @@
               </a:ln>
               <a:extLst>
                 <a:ext uri="{91240B29-F687-4f45-9708-019B960494DF}">
-                  <a14:hiddenLine xmlns:a14="http://schemas.microsoft.com/office/drawing/2010/main" xmlns="" w="9525">
+                  <a14:hiddenLine xmlns="" xmlns:a14="http://schemas.microsoft.com/office/drawing/2010/main" w="9525">
                     <a:solidFill>
                       <a:srgbClr val="000000"/>
                     </a:solidFill>
@@ -10173,7 +10173,7 @@
               </a:ln>
               <a:extLst>
                 <a:ext uri="{91240B29-F687-4f45-9708-019B960494DF}">
-                  <a14:hiddenLine xmlns:a14="http://schemas.microsoft.com/office/drawing/2010/main" xmlns="" w="9525">
+                  <a14:hiddenLine xmlns="" xmlns:a14="http://schemas.microsoft.com/office/drawing/2010/main" w="9525">
                     <a:solidFill>
                       <a:srgbClr val="000000"/>
                     </a:solidFill>
@@ -10207,7 +10207,7 @@
               </a:ln>
               <a:extLst>
                 <a:ext uri="{91240B29-F687-4f45-9708-019B960494DF}">
-                  <a14:hiddenLine xmlns:a14="http://schemas.microsoft.com/office/drawing/2010/main" xmlns="" w="9525">
+                  <a14:hiddenLine xmlns="" xmlns:a14="http://schemas.microsoft.com/office/drawing/2010/main" w="9525">
                     <a:solidFill>
                       <a:srgbClr val="000000"/>
                     </a:solidFill>
@@ -10272,7 +10272,7 @@
               </a:ln>
               <a:extLst>
                 <a:ext uri="{91240B29-F687-4f45-9708-019B960494DF}">
-                  <a14:hiddenLine xmlns:a14="http://schemas.microsoft.com/office/drawing/2010/main" xmlns="" w="9525">
+                  <a14:hiddenLine xmlns="" xmlns:a14="http://schemas.microsoft.com/office/drawing/2010/main" w="9525">
                     <a:solidFill>
                       <a:srgbClr val="000000"/>
                     </a:solidFill>
@@ -10362,7 +10362,7 @@
               </a:ln>
               <a:extLst>
                 <a:ext uri="{91240B29-F687-4f45-9708-019B960494DF}">
-                  <a14:hiddenLine xmlns:a14="http://schemas.microsoft.com/office/drawing/2010/main" xmlns="" w="9525">
+                  <a14:hiddenLine xmlns="" xmlns:a14="http://schemas.microsoft.com/office/drawing/2010/main" w="9525">
                     <a:solidFill>
                       <a:srgbClr val="000000"/>
                     </a:solidFill>
@@ -10424,7 +10424,7 @@
               </a:ln>
               <a:extLst>
                 <a:ext uri="{91240B29-F687-4f45-9708-019B960494DF}">
-                  <a14:hiddenLine xmlns:a14="http://schemas.microsoft.com/office/drawing/2010/main" xmlns="" w="9525">
+                  <a14:hiddenLine xmlns="" xmlns:a14="http://schemas.microsoft.com/office/drawing/2010/main" w="9525">
                     <a:solidFill>
                       <a:srgbClr val="000000"/>
                     </a:solidFill>
@@ -10514,7 +10514,7 @@
               </a:ln>
               <a:extLst>
                 <a:ext uri="{91240B29-F687-4f45-9708-019B960494DF}">
-                  <a14:hiddenLine xmlns:a14="http://schemas.microsoft.com/office/drawing/2010/main" xmlns="" w="9525">
+                  <a14:hiddenLine xmlns="" xmlns:a14="http://schemas.microsoft.com/office/drawing/2010/main" w="9525">
                     <a:solidFill>
                       <a:srgbClr val="000000"/>
                     </a:solidFill>
@@ -10579,7 +10579,7 @@
               </a:ln>
               <a:extLst>
                 <a:ext uri="{91240B29-F687-4f45-9708-019B960494DF}">
-                  <a14:hiddenLine xmlns:a14="http://schemas.microsoft.com/office/drawing/2010/main" xmlns="" w="9525">
+                  <a14:hiddenLine xmlns="" xmlns:a14="http://schemas.microsoft.com/office/drawing/2010/main" w="9525">
                     <a:solidFill>
                       <a:srgbClr val="000000"/>
                     </a:solidFill>
@@ -10641,7 +10641,7 @@
               </a:ln>
               <a:extLst>
                 <a:ext uri="{91240B29-F687-4f45-9708-019B960494DF}">
-                  <a14:hiddenLine xmlns:a14="http://schemas.microsoft.com/office/drawing/2010/main" xmlns="" w="9525">
+                  <a14:hiddenLine xmlns="" xmlns:a14="http://schemas.microsoft.com/office/drawing/2010/main" w="9525">
                     <a:solidFill>
                       <a:srgbClr val="000000"/>
                     </a:solidFill>
@@ -10731,7 +10731,7 @@
               </a:ln>
               <a:extLst>
                 <a:ext uri="{91240B29-F687-4f45-9708-019B960494DF}">
-                  <a14:hiddenLine xmlns:a14="http://schemas.microsoft.com/office/drawing/2010/main" xmlns="" w="9525">
+                  <a14:hiddenLine xmlns="" xmlns:a14="http://schemas.microsoft.com/office/drawing/2010/main" w="9525">
                     <a:solidFill>
                       <a:srgbClr val="000000"/>
                     </a:solidFill>
@@ -10821,7 +10821,7 @@
               </a:ln>
               <a:extLst>
                 <a:ext uri="{91240B29-F687-4f45-9708-019B960494DF}">
-                  <a14:hiddenLine xmlns:a14="http://schemas.microsoft.com/office/drawing/2010/main" xmlns="" w="9525">
+                  <a14:hiddenLine xmlns="" xmlns:a14="http://schemas.microsoft.com/office/drawing/2010/main" w="9525">
                     <a:solidFill>
                       <a:srgbClr val="000000"/>
                     </a:solidFill>
@@ -10886,7 +10886,7 @@
               </a:ln>
               <a:extLst>
                 <a:ext uri="{91240B29-F687-4f45-9708-019B960494DF}">
-                  <a14:hiddenLine xmlns:a14="http://schemas.microsoft.com/office/drawing/2010/main" xmlns="" w="9525">
+                  <a14:hiddenLine xmlns="" xmlns:a14="http://schemas.microsoft.com/office/drawing/2010/main" w="9525">
                     <a:solidFill>
                       <a:srgbClr val="000000"/>
                     </a:solidFill>
@@ -11006,7 +11006,7 @@
               </a:ln>
               <a:extLst>
                 <a:ext uri="{91240B29-F687-4f45-9708-019B960494DF}">
-                  <a14:hiddenLine xmlns:a14="http://schemas.microsoft.com/office/drawing/2010/main" xmlns="" w="9525">
+                  <a14:hiddenLine xmlns="" xmlns:a14="http://schemas.microsoft.com/office/drawing/2010/main" w="9525">
                     <a:solidFill>
                       <a:srgbClr val="000000"/>
                     </a:solidFill>
@@ -11087,7 +11087,7 @@
               </a:ln>
               <a:extLst>
                 <a:ext uri="{91240B29-F687-4f45-9708-019B960494DF}">
-                  <a14:hiddenLine xmlns:a14="http://schemas.microsoft.com/office/drawing/2010/main" xmlns="" w="9525">
+                  <a14:hiddenLine xmlns="" xmlns:a14="http://schemas.microsoft.com/office/drawing/2010/main" w="9525">
                     <a:solidFill>
                       <a:srgbClr val="000000"/>
                     </a:solidFill>
@@ -11202,7 +11202,7 @@
               </a:ln>
               <a:extLst>
                 <a:ext uri="{91240B29-F687-4f45-9708-019B960494DF}">
-                  <a14:hiddenLine xmlns:a14="http://schemas.microsoft.com/office/drawing/2010/main" xmlns="" w="9525">
+                  <a14:hiddenLine xmlns="" xmlns:a14="http://schemas.microsoft.com/office/drawing/2010/main" w="9525">
                     <a:solidFill>
                       <a:srgbClr val="000000"/>
                     </a:solidFill>
@@ -11292,7 +11292,7 @@
               </a:ln>
               <a:extLst>
                 <a:ext uri="{91240B29-F687-4f45-9708-019B960494DF}">
-                  <a14:hiddenLine xmlns:a14="http://schemas.microsoft.com/office/drawing/2010/main" xmlns="" w="9525">
+                  <a14:hiddenLine xmlns="" xmlns:a14="http://schemas.microsoft.com/office/drawing/2010/main" w="9525">
                     <a:solidFill>
                       <a:srgbClr val="000000"/>
                     </a:solidFill>
@@ -11357,7 +11357,7 @@
               </a:ln>
               <a:extLst>
                 <a:ext uri="{91240B29-F687-4f45-9708-019B960494DF}">
-                  <a14:hiddenLine xmlns:a14="http://schemas.microsoft.com/office/drawing/2010/main" xmlns="" w="9525">
+                  <a14:hiddenLine xmlns="" xmlns:a14="http://schemas.microsoft.com/office/drawing/2010/main" w="9525">
                     <a:solidFill>
                       <a:srgbClr val="000000"/>
                     </a:solidFill>
@@ -11447,7 +11447,7 @@
               </a:ln>
               <a:extLst>
                 <a:ext uri="{91240B29-F687-4f45-9708-019B960494DF}">
-                  <a14:hiddenLine xmlns:a14="http://schemas.microsoft.com/office/drawing/2010/main" xmlns="" w="9525">
+                  <a14:hiddenLine xmlns="" xmlns:a14="http://schemas.microsoft.com/office/drawing/2010/main" w="9525">
                     <a:solidFill>
                       <a:srgbClr val="000000"/>
                     </a:solidFill>
@@ -11515,7 +11515,7 @@
               </a:ln>
               <a:extLst>
                 <a:ext uri="{91240B29-F687-4f45-9708-019B960494DF}">
-                  <a14:hiddenLine xmlns:a14="http://schemas.microsoft.com/office/drawing/2010/main" xmlns="" w="9525">
+                  <a14:hiddenLine xmlns="" xmlns:a14="http://schemas.microsoft.com/office/drawing/2010/main" w="9525">
                     <a:solidFill>
                       <a:srgbClr val="000000"/>
                     </a:solidFill>
@@ -11605,7 +11605,7 @@
               </a:ln>
               <a:extLst>
                 <a:ext uri="{91240B29-F687-4f45-9708-019B960494DF}">
-                  <a14:hiddenLine xmlns:a14="http://schemas.microsoft.com/office/drawing/2010/main" xmlns="" w="9525">
+                  <a14:hiddenLine xmlns="" xmlns:a14="http://schemas.microsoft.com/office/drawing/2010/main" w="9525">
                     <a:solidFill>
                       <a:srgbClr val="000000"/>
                     </a:solidFill>
@@ -11673,7 +11673,7 @@
               </a:ln>
               <a:extLst>
                 <a:ext uri="{91240B29-F687-4f45-9708-019B960494DF}">
-                  <a14:hiddenLine xmlns:a14="http://schemas.microsoft.com/office/drawing/2010/main" xmlns="" w="9525">
+                  <a14:hiddenLine xmlns="" xmlns:a14="http://schemas.microsoft.com/office/drawing/2010/main" w="9525">
                     <a:solidFill>
                       <a:srgbClr val="000000"/>
                     </a:solidFill>
@@ -11763,7 +11763,7 @@
               </a:ln>
               <a:extLst>
                 <a:ext uri="{91240B29-F687-4f45-9708-019B960494DF}">
-                  <a14:hiddenLine xmlns:a14="http://schemas.microsoft.com/office/drawing/2010/main" xmlns="" w="9525">
+                  <a14:hiddenLine xmlns="" xmlns:a14="http://schemas.microsoft.com/office/drawing/2010/main" w="9525">
                     <a:solidFill>
                       <a:srgbClr val="000000"/>
                     </a:solidFill>
@@ -11797,7 +11797,7 @@
               </a:ln>
               <a:extLst>
                 <a:ext uri="{91240B29-F687-4f45-9708-019B960494DF}">
-                  <a14:hiddenLine xmlns:a14="http://schemas.microsoft.com/office/drawing/2010/main" xmlns="" w="9525">
+                  <a14:hiddenLine xmlns="" xmlns:a14="http://schemas.microsoft.com/office/drawing/2010/main" w="9525">
                     <a:solidFill>
                       <a:srgbClr val="000000"/>
                     </a:solidFill>
@@ -11938,7 +11938,7 @@
             <a:fld id="{48A87A34-81AB-432B-8DAE-1953F412C126}" type="datetimeFigureOut">
               <a:rPr lang="en-US" dirty="0"/>
               <a:pPr/>
-              <a:t>26/2/2016</a:t>
+              <a:t>25/2/2016</a:t>
             </a:fld>
             <a:endParaRPr lang="en-US" dirty="0"/>
           </a:p>
@@ -12486,19 +12486,7 @@
           <a:p>
             <a:r>
               <a:rPr lang="en-US" dirty="0" smtClean="0"/>
-              <a:t>We have correctly identified the sensors </a:t>
-            </a:r>
-            <a:r>
-              <a:rPr lang="en-US" smtClean="0"/>
-              <a:t>and </a:t>
-            </a:r>
-            <a:r>
-              <a:rPr lang="en-US" smtClean="0"/>
-              <a:t>the components </a:t>
-            </a:r>
-            <a:r>
-              <a:rPr lang="en-US" dirty="0" smtClean="0"/>
-              <a:t>required to build the prototype.</a:t>
+              <a:t>We have correctly identified the sensors and components required to build the prototype.</a:t>
             </a:r>
           </a:p>
         </p:txBody>
